--- a/Project I.pptx
+++ b/Project I.pptx
@@ -105,6 +105,11 @@
       </a:defRPr>
     </a:lvl9pPr>
   </p:defaultTextStyle>
+  <p:extLst>
+    <p:ext uri="{EFAFB233-063F-42B5-8137-9DF3F51BA10A}">
+      <p15:sldGuideLst xmlns:p15="http://schemas.microsoft.com/office/powerpoint/2012/main"/>
+    </p:ext>
+  </p:extLst>
 </p:presentation>
 </file>
 
@@ -3505,7 +3510,6 @@
           <p:cNvPr id="38" name="Straight Arrow Connector 37"/>
           <p:cNvCxnSpPr>
             <a:stCxn id="33" idx="0"/>
-            <a:endCxn id="34" idx="2"/>
           </p:cNvCxnSpPr>
           <p:nvPr/>
         </p:nvCxnSpPr>
@@ -3621,95 +3625,6 @@
           </p:txBody>
         </p:sp>
       </p:grpSp>
-      <p:grpSp>
-        <p:nvGrpSpPr>
-          <p:cNvPr id="79" name="Group 78"/>
-          <p:cNvGrpSpPr/>
-          <p:nvPr/>
-        </p:nvGrpSpPr>
-        <p:grpSpPr>
-          <a:xfrm>
-            <a:off x="2831279" y="3074753"/>
-            <a:ext cx="1744912" cy="834517"/>
-            <a:chOff x="2755782" y="2193752"/>
-            <a:chExt cx="1895912" cy="834517"/>
-          </a:xfrm>
-        </p:grpSpPr>
-        <p:sp>
-          <p:nvSpPr>
-            <p:cNvPr id="34" name="Rectangle 33"/>
-            <p:cNvSpPr/>
-            <p:nvPr/>
-          </p:nvSpPr>
-          <p:spPr>
-            <a:xfrm>
-              <a:off x="2755782" y="2193752"/>
-              <a:ext cx="1895912" cy="834517"/>
-            </a:xfrm>
-            <a:prstGeom prst="rect">
-              <a:avLst/>
-            </a:prstGeom>
-          </p:spPr>
-          <p:style>
-            <a:lnRef idx="2">
-              <a:schemeClr val="accent3">
-                <a:shade val="50000"/>
-              </a:schemeClr>
-            </a:lnRef>
-            <a:fillRef idx="1">
-              <a:schemeClr val="accent3"/>
-            </a:fillRef>
-            <a:effectRef idx="0">
-              <a:schemeClr val="accent3"/>
-            </a:effectRef>
-            <a:fontRef idx="minor">
-              <a:schemeClr val="lt1"/>
-            </a:fontRef>
-          </p:style>
-          <p:txBody>
-            <a:bodyPr rtlCol="0" anchor="ctr"/>
-            <a:lstStyle/>
-            <a:p>
-              <a:pPr algn="ctr"/>
-              <a:endParaRPr lang="en-GB"/>
-            </a:p>
-          </p:txBody>
-        </p:sp>
-        <p:sp>
-          <p:nvSpPr>
-            <p:cNvPr id="40" name="TextBox 39"/>
-            <p:cNvSpPr txBox="1"/>
-            <p:nvPr/>
-          </p:nvSpPr>
-          <p:spPr>
-            <a:xfrm>
-              <a:off x="2860644" y="2287574"/>
-              <a:ext cx="1702965" cy="646331"/>
-            </a:xfrm>
-            <a:prstGeom prst="rect">
-              <a:avLst/>
-            </a:prstGeom>
-            <a:noFill/>
-          </p:spPr>
-          <p:txBody>
-            <a:bodyPr wrap="square" rtlCol="0">
-              <a:spAutoFit/>
-            </a:bodyPr>
-            <a:lstStyle/>
-            <a:p>
-              <a:r>
-                <a:rPr lang="en-US" dirty="0"/>
-                <a:t>m</a:t>
-              </a:r>
-              <a:r>
-                <a:rPr lang="en-US" dirty="0" smtClean="0"/>
-                <a:t>ove forward once</a:t>
-              </a:r>
-              <a:endParaRPr lang="en-GB" dirty="0"/>
-            </a:p>
-          </p:txBody>
-        </p:sp>
-      </p:grpSp>
       <p:sp>
         <p:nvSpPr>
           <p:cNvPr id="41" name="Flowchart: Terminator 40"/>
@@ -3785,7 +3700,6 @@
         <p:nvCxnSpPr>
           <p:cNvPr id="44" name="Straight Arrow Connector 43"/>
           <p:cNvCxnSpPr>
-            <a:stCxn id="34" idx="0"/>
             <a:endCxn id="41" idx="2"/>
           </p:cNvCxnSpPr>
           <p:nvPr/>
@@ -3817,84 +3731,6 @@
           </a:fontRef>
         </p:style>
       </p:cxnSp>
-      <p:sp>
-        <p:nvSpPr>
-          <p:cNvPr id="85" name="Rectangle 84"/>
-          <p:cNvSpPr/>
-          <p:nvPr/>
-        </p:nvSpPr>
-        <p:spPr>
-          <a:xfrm>
-            <a:off x="520111" y="1091055"/>
-            <a:ext cx="1744912" cy="805343"/>
-          </a:xfrm>
-          <a:prstGeom prst="rect">
-            <a:avLst/>
-          </a:prstGeom>
-        </p:spPr>
-        <p:style>
-          <a:lnRef idx="2">
-            <a:schemeClr val="accent3">
-              <a:shade val="50000"/>
-            </a:schemeClr>
-          </a:lnRef>
-          <a:fillRef idx="1">
-            <a:schemeClr val="accent3"/>
-          </a:fillRef>
-          <a:effectRef idx="0">
-            <a:schemeClr val="accent3"/>
-          </a:effectRef>
-          <a:fontRef idx="minor">
-            <a:schemeClr val="lt1"/>
-          </a:fontRef>
-        </p:style>
-        <p:txBody>
-          <a:bodyPr rtlCol="0" anchor="ctr"/>
-          <a:lstStyle/>
-          <a:p>
-            <a:pPr algn="ctr"/>
-            <a:endParaRPr lang="en-GB"/>
-          </a:p>
-        </p:txBody>
-      </p:sp>
-      <p:sp>
-        <p:nvSpPr>
-          <p:cNvPr id="86" name="TextBox 85"/>
-          <p:cNvSpPr txBox="1"/>
-          <p:nvPr/>
-        </p:nvSpPr>
-        <p:spPr>
-          <a:xfrm>
-            <a:off x="633364" y="1191048"/>
-            <a:ext cx="1480658" cy="646331"/>
-          </a:xfrm>
-          <a:prstGeom prst="rect">
-            <a:avLst/>
-          </a:prstGeom>
-          <a:noFill/>
-        </p:spPr>
-        <p:txBody>
-          <a:bodyPr wrap="square" rtlCol="0">
-            <a:spAutoFit/>
-          </a:bodyPr>
-          <a:lstStyle/>
-          <a:p>
-            <a:r>
-              <a:rPr lang="en-US" dirty="0" smtClean="0"/>
-              <a:t>Set </a:t>
-            </a:r>
-            <a:r>
-              <a:rPr lang="en-US" dirty="0" err="1" smtClean="0"/>
-              <a:t>Aminat</a:t>
-            </a:r>
-            <a:r>
-              <a:rPr lang="en-US" dirty="0" smtClean="0"/>
-              <a:t> starts (0,0)</a:t>
-            </a:r>
-            <a:endParaRPr lang="en-GB" dirty="0"/>
-          </a:p>
-        </p:txBody>
-      </p:sp>
       <p:cxnSp>
         <p:nvCxnSpPr>
           <p:cNvPr id="88" name="Straight Arrow Connector 87"/>
@@ -3972,7 +3808,6 @@
           <p:cNvPr id="101" name="Straight Arrow Connector 100"/>
           <p:cNvCxnSpPr>
             <a:stCxn id="5" idx="2"/>
-            <a:endCxn id="85" idx="0"/>
           </p:cNvCxnSpPr>
           <p:nvPr/>
         </p:nvCxnSpPr>
@@ -4007,7 +3842,6 @@
         <p:nvCxnSpPr>
           <p:cNvPr id="103" name="Straight Arrow Connector 102"/>
           <p:cNvCxnSpPr>
-            <a:stCxn id="85" idx="2"/>
             <a:endCxn id="4" idx="0"/>
           </p:cNvCxnSpPr>
           <p:nvPr/>
@@ -4039,6 +3873,162 @@
           </a:fontRef>
         </p:style>
       </p:cxnSp>
+      <p:sp>
+        <p:nvSpPr>
+          <p:cNvPr id="2" name="Flowchart: Data 1"/>
+          <p:cNvSpPr/>
+          <p:nvPr/>
+        </p:nvSpPr>
+        <p:spPr>
+          <a:xfrm>
+            <a:off x="520111" y="1107251"/>
+            <a:ext cx="1744912" cy="863923"/>
+          </a:xfrm>
+          <a:prstGeom prst="flowChartInputOutput">
+            <a:avLst/>
+          </a:prstGeom>
+        </p:spPr>
+        <p:style>
+          <a:lnRef idx="2">
+            <a:schemeClr val="accent2">
+              <a:shade val="50000"/>
+            </a:schemeClr>
+          </a:lnRef>
+          <a:fillRef idx="1">
+            <a:schemeClr val="accent2"/>
+          </a:fillRef>
+          <a:effectRef idx="0">
+            <a:schemeClr val="accent2"/>
+          </a:effectRef>
+          <a:fontRef idx="minor">
+            <a:schemeClr val="lt1"/>
+          </a:fontRef>
+        </p:style>
+        <p:txBody>
+          <a:bodyPr rtlCol="0" anchor="ctr"/>
+          <a:lstStyle/>
+          <a:p>
+            <a:pPr algn="ctr"/>
+            <a:endParaRPr lang="en-GB"/>
+          </a:p>
+        </p:txBody>
+      </p:sp>
+      <p:sp>
+        <p:nvSpPr>
+          <p:cNvPr id="86" name="TextBox 85"/>
+          <p:cNvSpPr txBox="1"/>
+          <p:nvPr/>
+        </p:nvSpPr>
+        <p:spPr>
+          <a:xfrm>
+            <a:off x="784364" y="1193062"/>
+            <a:ext cx="1480658" cy="646331"/>
+          </a:xfrm>
+          <a:prstGeom prst="rect">
+            <a:avLst/>
+          </a:prstGeom>
+          <a:noFill/>
+        </p:spPr>
+        <p:txBody>
+          <a:bodyPr wrap="square" rtlCol="0">
+            <a:spAutoFit/>
+          </a:bodyPr>
+          <a:lstStyle/>
+          <a:p>
+            <a:r>
+              <a:rPr lang="en-US" dirty="0" smtClean="0"/>
+              <a:t>Set </a:t>
+            </a:r>
+            <a:r>
+              <a:rPr lang="en-US" dirty="0" err="1" smtClean="0"/>
+              <a:t>Aminat</a:t>
+            </a:r>
+            <a:r>
+              <a:rPr lang="en-US" dirty="0" smtClean="0"/>
+              <a:t> starts (0,0)</a:t>
+            </a:r>
+            <a:endParaRPr lang="en-GB" dirty="0"/>
+          </a:p>
+        </p:txBody>
+      </p:sp>
+      <p:sp>
+        <p:nvSpPr>
+          <p:cNvPr id="3" name="Flowchart: Data 2"/>
+          <p:cNvSpPr/>
+          <p:nvPr/>
+        </p:nvSpPr>
+        <p:spPr>
+          <a:xfrm>
+            <a:off x="2831278" y="3095298"/>
+            <a:ext cx="1744913" cy="813971"/>
+          </a:xfrm>
+          <a:prstGeom prst="flowChartInputOutput">
+            <a:avLst/>
+          </a:prstGeom>
+        </p:spPr>
+        <p:style>
+          <a:lnRef idx="2">
+            <a:schemeClr val="accent2">
+              <a:shade val="50000"/>
+            </a:schemeClr>
+          </a:lnRef>
+          <a:fillRef idx="1">
+            <a:schemeClr val="accent2"/>
+          </a:fillRef>
+          <a:effectRef idx="0">
+            <a:schemeClr val="accent2"/>
+          </a:effectRef>
+          <a:fontRef idx="minor">
+            <a:schemeClr val="lt1"/>
+          </a:fontRef>
+        </p:style>
+        <p:txBody>
+          <a:bodyPr rtlCol="0" anchor="ctr"/>
+          <a:lstStyle/>
+          <a:p>
+            <a:pPr algn="ctr"/>
+            <a:endParaRPr lang="en-GB"/>
+          </a:p>
+        </p:txBody>
+      </p:sp>
+      <p:sp>
+        <p:nvSpPr>
+          <p:cNvPr id="7" name="TextBox 6"/>
+          <p:cNvSpPr txBox="1"/>
+          <p:nvPr/>
+        </p:nvSpPr>
+        <p:spPr>
+          <a:xfrm>
+            <a:off x="3137478" y="3279943"/>
+            <a:ext cx="1117651" cy="461665"/>
+          </a:xfrm>
+          <a:prstGeom prst="rect">
+            <a:avLst/>
+          </a:prstGeom>
+          <a:noFill/>
+        </p:spPr>
+        <p:txBody>
+          <a:bodyPr wrap="square" rtlCol="0">
+            <a:spAutoFit/>
+          </a:bodyPr>
+          <a:lstStyle/>
+          <a:p>
+            <a:r>
+              <a:rPr lang="en-US" sz="1200" dirty="0" smtClean="0"/>
+              <a:t>Place </a:t>
+            </a:r>
+            <a:r>
+              <a:rPr lang="en-US" sz="1200" dirty="0" err="1" smtClean="0"/>
+              <a:t>Aminat</a:t>
+            </a:r>
+            <a:r>
+              <a:rPr lang="en-US" sz="1200" dirty="0" smtClean="0"/>
+              <a:t> at (3,3)</a:t>
+            </a:r>
+            <a:endParaRPr lang="en-GB" sz="1200" dirty="0"/>
+          </a:p>
+        </p:txBody>
+      </p:sp>
     </p:spTree>
     <p:extLst>
       <p:ext uri="{BB962C8B-B14F-4D97-AF65-F5344CB8AC3E}">
